--- a/ppts/Topic 10 Generalized linear mixed effects models.pptx
+++ b/ppts/Topic 10 Generalized linear mixed effects models.pptx
@@ -310,7 +310,7 @@
           <a:p>
             <a:fld id="{F3A5C36C-4AD1-4368-83A4-9559EE6EF9BD}" type="datetimeFigureOut">
               <a:rPr lang="en-CA" smtClean="0"/>
-              <a:t>2018-02-23</a:t>
+              <a:t>2018-03-01</a:t>
             </a:fld>
             <a:endParaRPr lang="en-CA"/>
           </a:p>
@@ -496,7 +496,7 @@
           <a:p>
             <a:fld id="{F3A5C36C-4AD1-4368-83A4-9559EE6EF9BD}" type="datetimeFigureOut">
               <a:rPr lang="en-CA" smtClean="0"/>
-              <a:t>2018-02-23</a:t>
+              <a:t>2018-03-01</a:t>
             </a:fld>
             <a:endParaRPr lang="en-CA"/>
           </a:p>
@@ -688,7 +688,7 @@
           <a:p>
             <a:fld id="{F3A5C36C-4AD1-4368-83A4-9559EE6EF9BD}" type="datetimeFigureOut">
               <a:rPr lang="en-CA" smtClean="0"/>
-              <a:t>2018-02-23</a:t>
+              <a:t>2018-03-01</a:t>
             </a:fld>
             <a:endParaRPr lang="en-CA"/>
           </a:p>
@@ -870,7 +870,7 @@
           <a:p>
             <a:fld id="{F3A5C36C-4AD1-4368-83A4-9559EE6EF9BD}" type="datetimeFigureOut">
               <a:rPr lang="en-CA" smtClean="0"/>
-              <a:t>2018-02-23</a:t>
+              <a:t>2018-03-01</a:t>
             </a:fld>
             <a:endParaRPr lang="en-CA"/>
           </a:p>
@@ -1136,7 +1136,7 @@
           <a:p>
             <a:fld id="{F3A5C36C-4AD1-4368-83A4-9559EE6EF9BD}" type="datetimeFigureOut">
               <a:rPr lang="en-CA" smtClean="0"/>
-              <a:t>2018-02-23</a:t>
+              <a:t>2018-03-01</a:t>
             </a:fld>
             <a:endParaRPr lang="en-CA"/>
           </a:p>
@@ -1421,7 +1421,7 @@
           <a:p>
             <a:fld id="{F3A5C36C-4AD1-4368-83A4-9559EE6EF9BD}" type="datetimeFigureOut">
               <a:rPr lang="en-CA" smtClean="0"/>
-              <a:t>2018-02-23</a:t>
+              <a:t>2018-03-01</a:t>
             </a:fld>
             <a:endParaRPr lang="en-CA"/>
           </a:p>
@@ -1816,7 +1816,7 @@
           <a:p>
             <a:fld id="{F3A5C36C-4AD1-4368-83A4-9559EE6EF9BD}" type="datetimeFigureOut">
               <a:rPr lang="en-CA" smtClean="0"/>
-              <a:t>2018-02-23</a:t>
+              <a:t>2018-03-01</a:t>
             </a:fld>
             <a:endParaRPr lang="en-CA"/>
           </a:p>
@@ -1983,7 +1983,7 @@
           <a:p>
             <a:fld id="{F3A5C36C-4AD1-4368-83A4-9559EE6EF9BD}" type="datetimeFigureOut">
               <a:rPr lang="en-CA" smtClean="0"/>
-              <a:t>2018-02-23</a:t>
+              <a:t>2018-03-01</a:t>
             </a:fld>
             <a:endParaRPr lang="en-CA"/>
           </a:p>
@@ -2090,7 +2090,7 @@
           <a:p>
             <a:fld id="{F3A5C36C-4AD1-4368-83A4-9559EE6EF9BD}" type="datetimeFigureOut">
               <a:rPr lang="en-CA" smtClean="0"/>
-              <a:t>2018-02-23</a:t>
+              <a:t>2018-03-01</a:t>
             </a:fld>
             <a:endParaRPr lang="en-CA"/>
           </a:p>
@@ -2368,7 +2368,7 @@
           <a:p>
             <a:fld id="{F3A5C36C-4AD1-4368-83A4-9559EE6EF9BD}" type="datetimeFigureOut">
               <a:rPr lang="en-CA" smtClean="0"/>
-              <a:t>2018-02-23</a:t>
+              <a:t>2018-03-01</a:t>
             </a:fld>
             <a:endParaRPr lang="en-CA"/>
           </a:p>
@@ -2978,7 +2978,7 @@
           <a:p>
             <a:fld id="{F3A5C36C-4AD1-4368-83A4-9559EE6EF9BD}" type="datetimeFigureOut">
               <a:rPr lang="en-CA" smtClean="0"/>
-              <a:t>2018-02-23</a:t>
+              <a:t>2018-03-01</a:t>
             </a:fld>
             <a:endParaRPr lang="en-CA"/>
           </a:p>
@@ -3514,7 +3514,7 @@
           <a:p>
             <a:fld id="{F3A5C36C-4AD1-4368-83A4-9559EE6EF9BD}" type="datetimeFigureOut">
               <a:rPr lang="en-CA" smtClean="0"/>
-              <a:t>2018-02-23</a:t>
+              <a:t>2018-03-01</a:t>
             </a:fld>
             <a:endParaRPr lang="en-CA"/>
           </a:p>
@@ -4292,7 +4292,7 @@
         </p:nvSpPr>
         <p:spPr>
           <a:xfrm>
-            <a:off x="683568" y="1196752"/>
+            <a:off x="683568" y="980728"/>
             <a:ext cx="7772400" cy="1368152"/>
           </a:xfrm>
         </p:spPr>
@@ -4302,7 +4302,7 @@
           </a:bodyPr>
           <a:lstStyle/>
           <a:p>
-            <a:pPr algn="l"/>
+            <a:pPr algn="ctr"/>
             <a:r>
               <a:rPr lang="en-US" sz="4400" dirty="0"/>
               <a:t>Topic </a:t>
@@ -4343,8 +4343,8 @@
         </p:blipFill>
         <p:spPr>
           <a:xfrm>
-            <a:off x="6300192" y="2636912"/>
-            <a:ext cx="2344368" cy="3528392"/>
+            <a:off x="3491880" y="2924944"/>
+            <a:ext cx="2179344" cy="3280022"/>
           </a:xfrm>
           <a:prstGeom prst="rect">
             <a:avLst/>
@@ -4356,7 +4356,7 @@
           <p:cNvPr id="4" name="TextBox 3">
             <a:extLst>
               <a:ext uri="{FF2B5EF4-FFF2-40B4-BE49-F238E27FC236}">
-                <a16:creationId xmlns="" xmlns:a16="http://schemas.microsoft.com/office/drawing/2014/main" id="{303BBE34-596A-4812-AA2D-95C8598A6CA3}"/>
+                <a16:creationId xmlns:a16="http://schemas.microsoft.com/office/drawing/2014/main" xmlns="" id="{303BBE34-596A-4812-AA2D-95C8598A6CA3}"/>
               </a:ext>
             </a:extLst>
           </p:cNvPr>
@@ -4365,7 +4365,7 @@
         </p:nvSpPr>
         <p:spPr>
           <a:xfrm>
-            <a:off x="7013982" y="6272644"/>
+            <a:off x="3988551" y="6309320"/>
             <a:ext cx="1162434" cy="369332"/>
           </a:xfrm>
           <a:prstGeom prst="rect">
@@ -4492,7 +4492,7 @@
           <p:cNvPr id="6" name="Title 1">
             <a:extLst>
               <a:ext uri="{FF2B5EF4-FFF2-40B4-BE49-F238E27FC236}">
-                <a16:creationId xmlns="" xmlns:a16="http://schemas.microsoft.com/office/drawing/2014/main" id="{EDDE273D-90E2-47F3-8613-1F70BBDC1086}"/>
+                <a16:creationId xmlns:a16="http://schemas.microsoft.com/office/drawing/2014/main" xmlns="" id="{EDDE273D-90E2-47F3-8613-1F70BBDC1086}"/>
               </a:ext>
             </a:extLst>
           </p:cNvPr>
